--- a/2015156002 2DGP 발표자료.pptx
+++ b/2015156002 2DGP 발표자료.pptx
@@ -108,6 +108,11 @@
       </a:defRPr>
     </a:lvl9pPr>
   </p:defaultTextStyle>
+  <p:extLst>
+    <p:ext uri="{EFAFB233-063F-42B5-8137-9DF3F51BA10A}">
+      <p15:sldGuideLst xmlns:p15="http://schemas.microsoft.com/office/powerpoint/2012/main"/>
+    </p:ext>
+  </p:extLst>
 </p:presentation>
 </file>
 
@@ -834,7 +839,7 @@
             <a:fld id="{B61BEF0D-F0BB-DE4B-95CE-6DB70DBA9567}" type="datetimeFigureOut">
               <a:rPr lang="en-US" dirty="0"/>
               <a:pPr/>
-              <a:t>9/26/2018</a:t>
+              <a:t>11/5/2018</a:t>
             </a:fld>
             <a:endParaRPr lang="en-US" dirty="0"/>
           </a:p>
@@ -1082,7 +1087,7 @@
             <a:fld id="{B61BEF0D-F0BB-DE4B-95CE-6DB70DBA9567}" type="datetimeFigureOut">
               <a:rPr lang="en-US" dirty="0"/>
               <a:pPr/>
-              <a:t>9/26/2018</a:t>
+              <a:t>11/5/2018</a:t>
             </a:fld>
             <a:endParaRPr lang="en-US" dirty="0"/>
           </a:p>
@@ -1393,7 +1398,7 @@
             <a:fld id="{B61BEF0D-F0BB-DE4B-95CE-6DB70DBA9567}" type="datetimeFigureOut">
               <a:rPr lang="en-US" dirty="0"/>
               <a:pPr/>
-              <a:t>9/26/2018</a:t>
+              <a:t>11/5/2018</a:t>
             </a:fld>
             <a:endParaRPr lang="en-US" dirty="0"/>
           </a:p>
@@ -1731,7 +1736,7 @@
             <a:fld id="{B61BEF0D-F0BB-DE4B-95CE-6DB70DBA9567}" type="datetimeFigureOut">
               <a:rPr lang="en-US" dirty="0"/>
               <a:pPr/>
-              <a:t>9/26/2018</a:t>
+              <a:t>11/5/2018</a:t>
             </a:fld>
             <a:endParaRPr lang="en-US" dirty="0"/>
           </a:p>
@@ -2042,7 +2047,7 @@
             <a:fld id="{B61BEF0D-F0BB-DE4B-95CE-6DB70DBA9567}" type="datetimeFigureOut">
               <a:rPr lang="en-US" dirty="0"/>
               <a:pPr/>
-              <a:t>9/26/2018</a:t>
+              <a:t>11/5/2018</a:t>
             </a:fld>
             <a:endParaRPr lang="en-US" dirty="0"/>
           </a:p>
@@ -2432,7 +2437,7 @@
             <a:fld id="{B61BEF0D-F0BB-DE4B-95CE-6DB70DBA9567}" type="datetimeFigureOut">
               <a:rPr lang="en-US" dirty="0"/>
               <a:pPr/>
-              <a:t>9/26/2018</a:t>
+              <a:t>11/5/2018</a:t>
             </a:fld>
             <a:endParaRPr lang="en-US" dirty="0"/>
           </a:p>
@@ -2598,7 +2603,7 @@
           <a:p>
             <a:fld id="{55C6B4A9-1611-4792-9094-5F34BCA07E0B}" type="datetimeFigureOut">
               <a:rPr lang="en-US" dirty="0"/>
-              <a:t>9/26/2018</a:t>
+              <a:t>11/5/2018</a:t>
             </a:fld>
             <a:endParaRPr lang="en-US" dirty="0"/>
           </a:p>
@@ -2774,7 +2779,7 @@
             <a:fld id="{B61BEF0D-F0BB-DE4B-95CE-6DB70DBA9567}" type="datetimeFigureOut">
               <a:rPr lang="en-US" dirty="0"/>
               <a:pPr/>
-              <a:t>9/26/2018</a:t>
+              <a:t>11/5/2018</a:t>
             </a:fld>
             <a:endParaRPr lang="en-US" dirty="0"/>
           </a:p>
@@ -2947,7 +2952,7 @@
             <a:fld id="{B61BEF0D-F0BB-DE4B-95CE-6DB70DBA9567}" type="datetimeFigureOut">
               <a:rPr lang="en-US" dirty="0"/>
               <a:pPr/>
-              <a:t>9/26/2018</a:t>
+              <a:t>11/5/2018</a:t>
             </a:fld>
             <a:endParaRPr lang="en-US" dirty="0"/>
           </a:p>
@@ -3191,7 +3196,7 @@
             <a:fld id="{B61BEF0D-F0BB-DE4B-95CE-6DB70DBA9567}" type="datetimeFigureOut">
               <a:rPr lang="en-US" dirty="0"/>
               <a:pPr/>
-              <a:t>9/26/2018</a:t>
+              <a:t>11/5/2018</a:t>
             </a:fld>
             <a:endParaRPr lang="en-US" dirty="0"/>
           </a:p>
@@ -3419,7 +3424,7 @@
           <a:p>
             <a:fld id="{EB712588-04B1-427B-82EE-E8DB90309F08}" type="datetimeFigureOut">
               <a:rPr lang="en-US" dirty="0"/>
-              <a:t>9/26/2018</a:t>
+              <a:t>11/5/2018</a:t>
             </a:fld>
             <a:endParaRPr lang="en-US" dirty="0"/>
           </a:p>
@@ -3789,7 +3794,7 @@
             <a:fld id="{B61BEF0D-F0BB-DE4B-95CE-6DB70DBA9567}" type="datetimeFigureOut">
               <a:rPr lang="en-US" dirty="0"/>
               <a:pPr/>
-              <a:t>9/26/2018</a:t>
+              <a:t>11/5/2018</a:t>
             </a:fld>
             <a:endParaRPr lang="en-US" dirty="0"/>
           </a:p>
@@ -3909,7 +3914,7 @@
             <a:fld id="{B61BEF0D-F0BB-DE4B-95CE-6DB70DBA9567}" type="datetimeFigureOut">
               <a:rPr lang="en-US" dirty="0"/>
               <a:pPr/>
-              <a:t>9/26/2018</a:t>
+              <a:t>11/5/2018</a:t>
             </a:fld>
             <a:endParaRPr lang="en-US" dirty="0"/>
           </a:p>
@@ -4001,7 +4006,7 @@
             <a:fld id="{B61BEF0D-F0BB-DE4B-95CE-6DB70DBA9567}" type="datetimeFigureOut">
               <a:rPr lang="en-US" dirty="0"/>
               <a:pPr/>
-              <a:t>9/26/2018</a:t>
+              <a:t>11/5/2018</a:t>
             </a:fld>
             <a:endParaRPr lang="en-US" dirty="0"/>
           </a:p>
@@ -4252,7 +4257,7 @@
           <a:p>
             <a:fld id="{42A54C80-263E-416B-A8E0-580EDEADCBDC}" type="datetimeFigureOut">
               <a:rPr lang="en-US" dirty="0"/>
-              <a:t>9/26/2018</a:t>
+              <a:t>11/5/2018</a:t>
             </a:fld>
             <a:endParaRPr lang="en-US" dirty="0"/>
           </a:p>
@@ -4511,7 +4516,7 @@
             <a:fld id="{B61BEF0D-F0BB-DE4B-95CE-6DB70DBA9567}" type="datetimeFigureOut">
               <a:rPr lang="en-US" dirty="0"/>
               <a:pPr/>
-              <a:t>9/26/2018</a:t>
+              <a:t>11/5/2018</a:t>
             </a:fld>
             <a:endParaRPr lang="en-US" dirty="0"/>
           </a:p>
@@ -5251,7 +5256,7 @@
             <a:fld id="{B61BEF0D-F0BB-DE4B-95CE-6DB70DBA9567}" type="datetimeFigureOut">
               <a:rPr lang="en-US" dirty="0"/>
               <a:pPr/>
-              <a:t>9/26/2018</a:t>
+              <a:t>11/5/2018</a:t>
             </a:fld>
             <a:endParaRPr lang="en-US" dirty="0"/>
           </a:p>
